--- a/images/awc_noms_map.pptx
+++ b/images/awc_noms_map.pptx
@@ -6,6 +6,7 @@
   </p:sldMasterIdLst>
   <p:sldIdLst>
     <p:sldId id="256" r:id="rId2"/>
+    <p:sldId id="257" r:id="rId3"/>
   </p:sldIdLst>
   <p:sldSz cx="12192000" cy="6858000"/>
   <p:notesSz cx="6858000" cy="9144000"/>
@@ -104,6 +105,11 @@
       </a:defRPr>
     </a:lvl9pPr>
   </p:defaultTextStyle>
+  <p:extLst>
+    <p:ext uri="{EFAFB233-063F-42B5-8137-9DF3F51BA10A}">
+      <p15:sldGuideLst xmlns:p15="http://schemas.microsoft.com/office/powerpoint/2012/main"/>
+    </p:ext>
+  </p:extLst>
 </p:presentation>
 </file>
 
@@ -149,10 +155,9 @@
           </a:lstStyle>
           <a:p>
             <a:r>
-              <a:rPr lang="en-US" smtClean="0"/>
+              <a:rPr lang="en-US"/>
               <a:t>Click to edit Master title style</a:t>
             </a:r>
-            <a:endParaRPr lang="en-US"/>
           </a:p>
         </p:txBody>
       </p:sp>
@@ -214,10 +219,9 @@
           </a:lstStyle>
           <a:p>
             <a:r>
-              <a:rPr lang="en-US" smtClean="0"/>
+              <a:rPr lang="en-US"/>
               <a:t>Click to edit Master subtitle style</a:t>
             </a:r>
-            <a:endParaRPr lang="en-US"/>
           </a:p>
         </p:txBody>
       </p:sp>
@@ -238,7 +242,7 @@
           <a:p>
             <a:fld id="{6B921983-009B-4ED5-99F1-F75DE080CA24}" type="datetimeFigureOut">
               <a:rPr lang="en-US" smtClean="0"/>
-              <a:t>11/10/2022</a:t>
+              <a:t>11/28/2025</a:t>
             </a:fld>
             <a:endParaRPr lang="en-US"/>
           </a:p>
@@ -332,10 +336,9 @@
           <a:lstStyle/>
           <a:p>
             <a:r>
-              <a:rPr lang="en-US" smtClean="0"/>
+              <a:rPr lang="en-US"/>
               <a:t>Click to edit Master title style</a:t>
             </a:r>
-            <a:endParaRPr lang="en-US"/>
           </a:p>
         </p:txBody>
       </p:sp>
@@ -356,38 +359,37 @@
           <a:p>
             <a:pPr lvl="0"/>
             <a:r>
-              <a:rPr lang="en-US" smtClean="0"/>
+              <a:rPr lang="en-US"/>
               <a:t>Edit Master text styles</a:t>
             </a:r>
           </a:p>
           <a:p>
             <a:pPr lvl="1"/>
             <a:r>
-              <a:rPr lang="en-US" smtClean="0"/>
+              <a:rPr lang="en-US"/>
               <a:t>Second level</a:t>
             </a:r>
           </a:p>
           <a:p>
             <a:pPr lvl="2"/>
             <a:r>
-              <a:rPr lang="en-US" smtClean="0"/>
+              <a:rPr lang="en-US"/>
               <a:t>Third level</a:t>
             </a:r>
           </a:p>
           <a:p>
             <a:pPr lvl="3"/>
             <a:r>
-              <a:rPr lang="en-US" smtClean="0"/>
+              <a:rPr lang="en-US"/>
               <a:t>Fourth level</a:t>
             </a:r>
           </a:p>
           <a:p>
             <a:pPr lvl="4"/>
             <a:r>
-              <a:rPr lang="en-US" smtClean="0"/>
+              <a:rPr lang="en-US"/>
               <a:t>Fifth level</a:t>
             </a:r>
-            <a:endParaRPr lang="en-US"/>
           </a:p>
         </p:txBody>
       </p:sp>
@@ -408,7 +410,7 @@
           <a:p>
             <a:fld id="{6B921983-009B-4ED5-99F1-F75DE080CA24}" type="datetimeFigureOut">
               <a:rPr lang="en-US" smtClean="0"/>
-              <a:t>11/10/2022</a:t>
+              <a:t>11/28/2025</a:t>
             </a:fld>
             <a:endParaRPr lang="en-US"/>
           </a:p>
@@ -507,10 +509,9 @@
           <a:lstStyle/>
           <a:p>
             <a:r>
-              <a:rPr lang="en-US" smtClean="0"/>
+              <a:rPr lang="en-US"/>
               <a:t>Click to edit Master title style</a:t>
             </a:r>
-            <a:endParaRPr lang="en-US"/>
           </a:p>
         </p:txBody>
       </p:sp>
@@ -536,38 +537,37 @@
           <a:p>
             <a:pPr lvl="0"/>
             <a:r>
-              <a:rPr lang="en-US" smtClean="0"/>
+              <a:rPr lang="en-US"/>
               <a:t>Edit Master text styles</a:t>
             </a:r>
           </a:p>
           <a:p>
             <a:pPr lvl="1"/>
             <a:r>
-              <a:rPr lang="en-US" smtClean="0"/>
+              <a:rPr lang="en-US"/>
               <a:t>Second level</a:t>
             </a:r>
           </a:p>
           <a:p>
             <a:pPr lvl="2"/>
             <a:r>
-              <a:rPr lang="en-US" smtClean="0"/>
+              <a:rPr lang="en-US"/>
               <a:t>Third level</a:t>
             </a:r>
           </a:p>
           <a:p>
             <a:pPr lvl="3"/>
             <a:r>
-              <a:rPr lang="en-US" smtClean="0"/>
+              <a:rPr lang="en-US"/>
               <a:t>Fourth level</a:t>
             </a:r>
           </a:p>
           <a:p>
             <a:pPr lvl="4"/>
             <a:r>
-              <a:rPr lang="en-US" smtClean="0"/>
+              <a:rPr lang="en-US"/>
               <a:t>Fifth level</a:t>
             </a:r>
-            <a:endParaRPr lang="en-US"/>
           </a:p>
         </p:txBody>
       </p:sp>
@@ -588,7 +588,7 @@
           <a:p>
             <a:fld id="{6B921983-009B-4ED5-99F1-F75DE080CA24}" type="datetimeFigureOut">
               <a:rPr lang="en-US" smtClean="0"/>
-              <a:t>11/10/2022</a:t>
+              <a:t>11/28/2025</a:t>
             </a:fld>
             <a:endParaRPr lang="en-US"/>
           </a:p>
@@ -682,10 +682,9 @@
           <a:lstStyle/>
           <a:p>
             <a:r>
-              <a:rPr lang="en-US" smtClean="0"/>
+              <a:rPr lang="en-US"/>
               <a:t>Click to edit Master title style</a:t>
             </a:r>
-            <a:endParaRPr lang="en-US"/>
           </a:p>
         </p:txBody>
       </p:sp>
@@ -706,38 +705,37 @@
           <a:p>
             <a:pPr lvl="0"/>
             <a:r>
-              <a:rPr lang="en-US" smtClean="0"/>
+              <a:rPr lang="en-US"/>
               <a:t>Edit Master text styles</a:t>
             </a:r>
           </a:p>
           <a:p>
             <a:pPr lvl="1"/>
             <a:r>
-              <a:rPr lang="en-US" smtClean="0"/>
+              <a:rPr lang="en-US"/>
               <a:t>Second level</a:t>
             </a:r>
           </a:p>
           <a:p>
             <a:pPr lvl="2"/>
             <a:r>
-              <a:rPr lang="en-US" smtClean="0"/>
+              <a:rPr lang="en-US"/>
               <a:t>Third level</a:t>
             </a:r>
           </a:p>
           <a:p>
             <a:pPr lvl="3"/>
             <a:r>
-              <a:rPr lang="en-US" smtClean="0"/>
+              <a:rPr lang="en-US"/>
               <a:t>Fourth level</a:t>
             </a:r>
           </a:p>
           <a:p>
             <a:pPr lvl="4"/>
             <a:r>
-              <a:rPr lang="en-US" smtClean="0"/>
+              <a:rPr lang="en-US"/>
               <a:t>Fifth level</a:t>
             </a:r>
-            <a:endParaRPr lang="en-US"/>
           </a:p>
         </p:txBody>
       </p:sp>
@@ -758,7 +756,7 @@
           <a:p>
             <a:fld id="{6B921983-009B-4ED5-99F1-F75DE080CA24}" type="datetimeFigureOut">
               <a:rPr lang="en-US" smtClean="0"/>
-              <a:t>11/10/2022</a:t>
+              <a:t>11/28/2025</a:t>
             </a:fld>
             <a:endParaRPr lang="en-US"/>
           </a:p>
@@ -861,10 +859,9 @@
           </a:lstStyle>
           <a:p>
             <a:r>
-              <a:rPr lang="en-US" smtClean="0"/>
+              <a:rPr lang="en-US"/>
               <a:t>Click to edit Master title style</a:t>
             </a:r>
-            <a:endParaRPr lang="en-US"/>
           </a:p>
         </p:txBody>
       </p:sp>
@@ -981,7 +978,7 @@
           <a:p>
             <a:pPr lvl="0"/>
             <a:r>
-              <a:rPr lang="en-US" smtClean="0"/>
+              <a:rPr lang="en-US"/>
               <a:t>Edit Master text styles</a:t>
             </a:r>
           </a:p>
@@ -1004,7 +1001,7 @@
           <a:p>
             <a:fld id="{6B921983-009B-4ED5-99F1-F75DE080CA24}" type="datetimeFigureOut">
               <a:rPr lang="en-US" smtClean="0"/>
-              <a:t>11/10/2022</a:t>
+              <a:t>11/28/2025</a:t>
             </a:fld>
             <a:endParaRPr lang="en-US"/>
           </a:p>
@@ -1098,10 +1095,9 @@
           <a:lstStyle/>
           <a:p>
             <a:r>
-              <a:rPr lang="en-US" smtClean="0"/>
+              <a:rPr lang="en-US"/>
               <a:t>Click to edit Master title style</a:t>
             </a:r>
-            <a:endParaRPr lang="en-US"/>
           </a:p>
         </p:txBody>
       </p:sp>
@@ -1127,38 +1123,37 @@
           <a:p>
             <a:pPr lvl="0"/>
             <a:r>
-              <a:rPr lang="en-US" smtClean="0"/>
+              <a:rPr lang="en-US"/>
               <a:t>Edit Master text styles</a:t>
             </a:r>
           </a:p>
           <a:p>
             <a:pPr lvl="1"/>
             <a:r>
-              <a:rPr lang="en-US" smtClean="0"/>
+              <a:rPr lang="en-US"/>
               <a:t>Second level</a:t>
             </a:r>
           </a:p>
           <a:p>
             <a:pPr lvl="2"/>
             <a:r>
-              <a:rPr lang="en-US" smtClean="0"/>
+              <a:rPr lang="en-US"/>
               <a:t>Third level</a:t>
             </a:r>
           </a:p>
           <a:p>
             <a:pPr lvl="3"/>
             <a:r>
-              <a:rPr lang="en-US" smtClean="0"/>
+              <a:rPr lang="en-US"/>
               <a:t>Fourth level</a:t>
             </a:r>
           </a:p>
           <a:p>
             <a:pPr lvl="4"/>
             <a:r>
-              <a:rPr lang="en-US" smtClean="0"/>
+              <a:rPr lang="en-US"/>
               <a:t>Fifth level</a:t>
             </a:r>
-            <a:endParaRPr lang="en-US"/>
           </a:p>
         </p:txBody>
       </p:sp>
@@ -1184,38 +1179,37 @@
           <a:p>
             <a:pPr lvl="0"/>
             <a:r>
-              <a:rPr lang="en-US" smtClean="0"/>
+              <a:rPr lang="en-US"/>
               <a:t>Edit Master text styles</a:t>
             </a:r>
           </a:p>
           <a:p>
             <a:pPr lvl="1"/>
             <a:r>
-              <a:rPr lang="en-US" smtClean="0"/>
+              <a:rPr lang="en-US"/>
               <a:t>Second level</a:t>
             </a:r>
           </a:p>
           <a:p>
             <a:pPr lvl="2"/>
             <a:r>
-              <a:rPr lang="en-US" smtClean="0"/>
+              <a:rPr lang="en-US"/>
               <a:t>Third level</a:t>
             </a:r>
           </a:p>
           <a:p>
             <a:pPr lvl="3"/>
             <a:r>
-              <a:rPr lang="en-US" smtClean="0"/>
+              <a:rPr lang="en-US"/>
               <a:t>Fourth level</a:t>
             </a:r>
           </a:p>
           <a:p>
             <a:pPr lvl="4"/>
             <a:r>
-              <a:rPr lang="en-US" smtClean="0"/>
+              <a:rPr lang="en-US"/>
               <a:t>Fifth level</a:t>
             </a:r>
-            <a:endParaRPr lang="en-US"/>
           </a:p>
         </p:txBody>
       </p:sp>
@@ -1236,7 +1230,7 @@
           <a:p>
             <a:fld id="{6B921983-009B-4ED5-99F1-F75DE080CA24}" type="datetimeFigureOut">
               <a:rPr lang="en-US" smtClean="0"/>
-              <a:t>11/10/2022</a:t>
+              <a:t>11/28/2025</a:t>
             </a:fld>
             <a:endParaRPr lang="en-US"/>
           </a:p>
@@ -1335,10 +1329,9 @@
           <a:lstStyle/>
           <a:p>
             <a:r>
-              <a:rPr lang="en-US" smtClean="0"/>
+              <a:rPr lang="en-US"/>
               <a:t>Click to edit Master title style</a:t>
             </a:r>
-            <a:endParaRPr lang="en-US"/>
           </a:p>
         </p:txBody>
       </p:sp>
@@ -1401,7 +1394,7 @@
           <a:p>
             <a:pPr lvl="0"/>
             <a:r>
-              <a:rPr lang="en-US" smtClean="0"/>
+              <a:rPr lang="en-US"/>
               <a:t>Edit Master text styles</a:t>
             </a:r>
           </a:p>
@@ -1429,38 +1422,37 @@
           <a:p>
             <a:pPr lvl="0"/>
             <a:r>
-              <a:rPr lang="en-US" smtClean="0"/>
+              <a:rPr lang="en-US"/>
               <a:t>Edit Master text styles</a:t>
             </a:r>
           </a:p>
           <a:p>
             <a:pPr lvl="1"/>
             <a:r>
-              <a:rPr lang="en-US" smtClean="0"/>
+              <a:rPr lang="en-US"/>
               <a:t>Second level</a:t>
             </a:r>
           </a:p>
           <a:p>
             <a:pPr lvl="2"/>
             <a:r>
-              <a:rPr lang="en-US" smtClean="0"/>
+              <a:rPr lang="en-US"/>
               <a:t>Third level</a:t>
             </a:r>
           </a:p>
           <a:p>
             <a:pPr lvl="3"/>
             <a:r>
-              <a:rPr lang="en-US" smtClean="0"/>
+              <a:rPr lang="en-US"/>
               <a:t>Fourth level</a:t>
             </a:r>
           </a:p>
           <a:p>
             <a:pPr lvl="4"/>
             <a:r>
-              <a:rPr lang="en-US" smtClean="0"/>
+              <a:rPr lang="en-US"/>
               <a:t>Fifth level</a:t>
             </a:r>
-            <a:endParaRPr lang="en-US"/>
           </a:p>
         </p:txBody>
       </p:sp>
@@ -1523,7 +1515,7 @@
           <a:p>
             <a:pPr lvl="0"/>
             <a:r>
-              <a:rPr lang="en-US" smtClean="0"/>
+              <a:rPr lang="en-US"/>
               <a:t>Edit Master text styles</a:t>
             </a:r>
           </a:p>
@@ -1551,38 +1543,37 @@
           <a:p>
             <a:pPr lvl="0"/>
             <a:r>
-              <a:rPr lang="en-US" smtClean="0"/>
+              <a:rPr lang="en-US"/>
               <a:t>Edit Master text styles</a:t>
             </a:r>
           </a:p>
           <a:p>
             <a:pPr lvl="1"/>
             <a:r>
-              <a:rPr lang="en-US" smtClean="0"/>
+              <a:rPr lang="en-US"/>
               <a:t>Second level</a:t>
             </a:r>
           </a:p>
           <a:p>
             <a:pPr lvl="2"/>
             <a:r>
-              <a:rPr lang="en-US" smtClean="0"/>
+              <a:rPr lang="en-US"/>
               <a:t>Third level</a:t>
             </a:r>
           </a:p>
           <a:p>
             <a:pPr lvl="3"/>
             <a:r>
-              <a:rPr lang="en-US" smtClean="0"/>
+              <a:rPr lang="en-US"/>
               <a:t>Fourth level</a:t>
             </a:r>
           </a:p>
           <a:p>
             <a:pPr lvl="4"/>
             <a:r>
-              <a:rPr lang="en-US" smtClean="0"/>
+              <a:rPr lang="en-US"/>
               <a:t>Fifth level</a:t>
             </a:r>
-            <a:endParaRPr lang="en-US"/>
           </a:p>
         </p:txBody>
       </p:sp>
@@ -1603,7 +1594,7 @@
           <a:p>
             <a:fld id="{6B921983-009B-4ED5-99F1-F75DE080CA24}" type="datetimeFigureOut">
               <a:rPr lang="en-US" smtClean="0"/>
-              <a:t>11/10/2022</a:t>
+              <a:t>11/28/2025</a:t>
             </a:fld>
             <a:endParaRPr lang="en-US"/>
           </a:p>
@@ -1697,10 +1688,9 @@
           <a:lstStyle/>
           <a:p>
             <a:r>
-              <a:rPr lang="en-US" smtClean="0"/>
+              <a:rPr lang="en-US"/>
               <a:t>Click to edit Master title style</a:t>
             </a:r>
-            <a:endParaRPr lang="en-US"/>
           </a:p>
         </p:txBody>
       </p:sp>
@@ -1721,7 +1711,7 @@
           <a:p>
             <a:fld id="{6B921983-009B-4ED5-99F1-F75DE080CA24}" type="datetimeFigureOut">
               <a:rPr lang="en-US" smtClean="0"/>
-              <a:t>11/10/2022</a:t>
+              <a:t>11/28/2025</a:t>
             </a:fld>
             <a:endParaRPr lang="en-US"/>
           </a:p>
@@ -1816,7 +1806,7 @@
           <a:p>
             <a:fld id="{6B921983-009B-4ED5-99F1-F75DE080CA24}" type="datetimeFigureOut">
               <a:rPr lang="en-US" smtClean="0"/>
-              <a:t>11/10/2022</a:t>
+              <a:t>11/28/2025</a:t>
             </a:fld>
             <a:endParaRPr lang="en-US"/>
           </a:p>
@@ -1919,10 +1909,9 @@
           </a:lstStyle>
           <a:p>
             <a:r>
-              <a:rPr lang="en-US" smtClean="0"/>
+              <a:rPr lang="en-US"/>
               <a:t>Click to edit Master title style</a:t>
             </a:r>
-            <a:endParaRPr lang="en-US"/>
           </a:p>
         </p:txBody>
       </p:sp>
@@ -1976,38 +1965,37 @@
           <a:p>
             <a:pPr lvl="0"/>
             <a:r>
-              <a:rPr lang="en-US" smtClean="0"/>
+              <a:rPr lang="en-US"/>
               <a:t>Edit Master text styles</a:t>
             </a:r>
           </a:p>
           <a:p>
             <a:pPr lvl="1"/>
             <a:r>
-              <a:rPr lang="en-US" smtClean="0"/>
+              <a:rPr lang="en-US"/>
               <a:t>Second level</a:t>
             </a:r>
           </a:p>
           <a:p>
             <a:pPr lvl="2"/>
             <a:r>
-              <a:rPr lang="en-US" smtClean="0"/>
+              <a:rPr lang="en-US"/>
               <a:t>Third level</a:t>
             </a:r>
           </a:p>
           <a:p>
             <a:pPr lvl="3"/>
             <a:r>
-              <a:rPr lang="en-US" smtClean="0"/>
+              <a:rPr lang="en-US"/>
               <a:t>Fourth level</a:t>
             </a:r>
           </a:p>
           <a:p>
             <a:pPr lvl="4"/>
             <a:r>
-              <a:rPr lang="en-US" smtClean="0"/>
+              <a:rPr lang="en-US"/>
               <a:t>Fifth level</a:t>
             </a:r>
-            <a:endParaRPr lang="en-US"/>
           </a:p>
         </p:txBody>
       </p:sp>
@@ -2070,7 +2058,7 @@
           <a:p>
             <a:pPr lvl="0"/>
             <a:r>
-              <a:rPr lang="en-US" smtClean="0"/>
+              <a:rPr lang="en-US"/>
               <a:t>Edit Master text styles</a:t>
             </a:r>
           </a:p>
@@ -2093,7 +2081,7 @@
           <a:p>
             <a:fld id="{6B921983-009B-4ED5-99F1-F75DE080CA24}" type="datetimeFigureOut">
               <a:rPr lang="en-US" smtClean="0"/>
-              <a:t>11/10/2022</a:t>
+              <a:t>11/28/2025</a:t>
             </a:fld>
             <a:endParaRPr lang="en-US"/>
           </a:p>
@@ -2196,10 +2184,9 @@
           </a:lstStyle>
           <a:p>
             <a:r>
-              <a:rPr lang="en-US" smtClean="0"/>
+              <a:rPr lang="en-US"/>
               <a:t>Click to edit Master title style</a:t>
             </a:r>
-            <a:endParaRPr lang="en-US"/>
           </a:p>
         </p:txBody>
       </p:sp>
@@ -2323,7 +2310,7 @@
           <a:p>
             <a:pPr lvl="0"/>
             <a:r>
-              <a:rPr lang="en-US" smtClean="0"/>
+              <a:rPr lang="en-US"/>
               <a:t>Edit Master text styles</a:t>
             </a:r>
           </a:p>
@@ -2346,7 +2333,7 @@
           <a:p>
             <a:fld id="{6B921983-009B-4ED5-99F1-F75DE080CA24}" type="datetimeFigureOut">
               <a:rPr lang="en-US" smtClean="0"/>
-              <a:t>11/10/2022</a:t>
+              <a:t>11/28/2025</a:t>
             </a:fld>
             <a:endParaRPr lang="en-US"/>
           </a:p>
@@ -2455,10 +2442,9 @@
           <a:lstStyle/>
           <a:p>
             <a:r>
-              <a:rPr lang="en-US" smtClean="0"/>
+              <a:rPr lang="en-US"/>
               <a:t>Click to edit Master title style</a:t>
             </a:r>
-            <a:endParaRPr lang="en-US"/>
           </a:p>
         </p:txBody>
       </p:sp>
@@ -2489,38 +2475,37 @@
           <a:p>
             <a:pPr lvl="0"/>
             <a:r>
-              <a:rPr lang="en-US" smtClean="0"/>
+              <a:rPr lang="en-US"/>
               <a:t>Edit Master text styles</a:t>
             </a:r>
           </a:p>
           <a:p>
             <a:pPr lvl="1"/>
             <a:r>
-              <a:rPr lang="en-US" smtClean="0"/>
+              <a:rPr lang="en-US"/>
               <a:t>Second level</a:t>
             </a:r>
           </a:p>
           <a:p>
             <a:pPr lvl="2"/>
             <a:r>
-              <a:rPr lang="en-US" smtClean="0"/>
+              <a:rPr lang="en-US"/>
               <a:t>Third level</a:t>
             </a:r>
           </a:p>
           <a:p>
             <a:pPr lvl="3"/>
             <a:r>
-              <a:rPr lang="en-US" smtClean="0"/>
+              <a:rPr lang="en-US"/>
               <a:t>Fourth level</a:t>
             </a:r>
           </a:p>
           <a:p>
             <a:pPr lvl="4"/>
             <a:r>
-              <a:rPr lang="en-US" smtClean="0"/>
+              <a:rPr lang="en-US"/>
               <a:t>Fifth level</a:t>
             </a:r>
-            <a:endParaRPr lang="en-US"/>
           </a:p>
         </p:txBody>
       </p:sp>
@@ -2559,7 +2544,7 @@
           <a:p>
             <a:fld id="{6B921983-009B-4ED5-99F1-F75DE080CA24}" type="datetimeFigureOut">
               <a:rPr lang="en-US" smtClean="0"/>
-              <a:t>11/10/2022</a:t>
+              <a:t>11/28/2025</a:t>
             </a:fld>
             <a:endParaRPr lang="en-US"/>
           </a:p>
@@ -3020,14 +3005,14 @@
           <a:p>
             <a:pPr algn="ctr"/>
             <a:r>
-              <a:rPr lang="en-US" dirty="0" smtClean="0"/>
+              <a:rPr lang="en-US" dirty="0"/>
               <a:t>Legend</a:t>
             </a:r>
           </a:p>
           <a:p>
             <a:pPr algn="r"/>
             <a:r>
-              <a:rPr lang="en-US" sz="1200" dirty="0" smtClean="0"/>
+              <a:rPr lang="en-US" sz="1200" dirty="0"/>
               <a:t>Existing AWC streams</a:t>
             </a:r>
           </a:p>
@@ -3038,7 +3023,7 @@
           <a:p>
             <a:pPr algn="r"/>
             <a:r>
-              <a:rPr lang="en-US" sz="1200" dirty="0" smtClean="0"/>
+              <a:rPr lang="en-US" sz="1200" dirty="0"/>
               <a:t>New AWC Nominations</a:t>
             </a:r>
           </a:p>
@@ -3049,14 +3034,14 @@
           <a:p>
             <a:pPr algn="r"/>
             <a:r>
-              <a:rPr lang="en-US" sz="1200" dirty="0" smtClean="0"/>
+              <a:rPr lang="en-US" sz="1200" dirty="0"/>
               <a:t>Site surveyed with no </a:t>
             </a:r>
           </a:p>
           <a:p>
             <a:pPr algn="r"/>
             <a:r>
-              <a:rPr lang="en-US" sz="1200" smtClean="0"/>
+              <a:rPr lang="en-US" sz="1200"/>
               <a:t>AWC species</a:t>
             </a:r>
             <a:endParaRPr lang="en-US" dirty="0"/>
@@ -3183,6 +3168,350 @@
     <p:extLst>
       <p:ext uri="{BB962C8B-B14F-4D97-AF65-F5344CB8AC3E}">
         <p14:creationId xmlns:p14="http://schemas.microsoft.com/office/powerpoint/2010/main" val="3716133501"/>
+      </p:ext>
+    </p:extLst>
+  </p:cSld>
+  <p:clrMapOvr>
+    <a:masterClrMapping/>
+  </p:clrMapOvr>
+</p:sld>
+</file>
+
+<file path=ppt/slides/slide2.xml><?xml version="1.0" encoding="utf-8"?>
+<p:sld xmlns:a="http://schemas.openxmlformats.org/drawingml/2006/main" xmlns:r="http://schemas.openxmlformats.org/officeDocument/2006/relationships" xmlns:p="http://schemas.openxmlformats.org/presentationml/2006/main">
+  <p:cSld>
+    <p:spTree>
+      <p:nvGrpSpPr>
+        <p:cNvPr id="1" name=""/>
+        <p:cNvGrpSpPr/>
+        <p:nvPr/>
+      </p:nvGrpSpPr>
+      <p:grpSpPr>
+        <a:xfrm>
+          <a:off x="0" y="0"/>
+          <a:ext cx="0" cy="0"/>
+          <a:chOff x="0" y="0"/>
+          <a:chExt cx="0" cy="0"/>
+        </a:xfrm>
+      </p:grpSpPr>
+      <p:pic>
+        <p:nvPicPr>
+          <p:cNvPr id="5" name="Picture 4" descr="A map of the andaman sea&#10;&#10;AI-generated content may be incorrect.">
+            <a:extLst>
+              <a:ext uri="{FF2B5EF4-FFF2-40B4-BE49-F238E27FC236}">
+                <a16:creationId xmlns:a16="http://schemas.microsoft.com/office/drawing/2014/main" id="{5720A352-65A9-DECD-41AA-FC44BF084C06}"/>
+              </a:ext>
+            </a:extLst>
+          </p:cNvPr>
+          <p:cNvPicPr>
+            <a:picLocks noChangeAspect="1"/>
+          </p:cNvPicPr>
+          <p:nvPr/>
+        </p:nvPicPr>
+        <p:blipFill>
+          <a:blip r:embed="rId2" cstate="print">
+            <a:extLst>
+              <a:ext uri="{28A0092B-C50C-407E-A947-70E740481C1C}">
+                <a14:useLocalDpi xmlns:a14="http://schemas.microsoft.com/office/drawing/2010/main" val="0"/>
+              </a:ext>
+            </a:extLst>
+          </a:blip>
+          <a:stretch>
+            <a:fillRect/>
+          </a:stretch>
+        </p:blipFill>
+        <p:spPr>
+          <a:xfrm>
+            <a:off x="1658470" y="0"/>
+            <a:ext cx="8875059" cy="6858000"/>
+          </a:xfrm>
+          <a:prstGeom prst="rect">
+            <a:avLst/>
+          </a:prstGeom>
+          <a:ln>
+            <a:noFill/>
+          </a:ln>
+        </p:spPr>
+      </p:pic>
+      <p:sp>
+        <p:nvSpPr>
+          <p:cNvPr id="6" name="TextBox 5">
+            <a:extLst>
+              <a:ext uri="{FF2B5EF4-FFF2-40B4-BE49-F238E27FC236}">
+                <a16:creationId xmlns:a16="http://schemas.microsoft.com/office/drawing/2014/main" id="{073C7132-3736-F6C7-4FF0-6A4136189C34}"/>
+              </a:ext>
+            </a:extLst>
+          </p:cNvPr>
+          <p:cNvSpPr txBox="1"/>
+          <p:nvPr/>
+        </p:nvSpPr>
+        <p:spPr>
+          <a:xfrm>
+            <a:off x="1726251" y="59822"/>
+            <a:ext cx="1657884" cy="477054"/>
+          </a:xfrm>
+          <a:prstGeom prst="rect">
+            <a:avLst/>
+          </a:prstGeom>
+          <a:solidFill>
+            <a:schemeClr val="bg1"/>
+          </a:solidFill>
+        </p:spPr>
+        <p:txBody>
+          <a:bodyPr wrap="square" rtlCol="0">
+            <a:spAutoFit/>
+          </a:bodyPr>
+          <a:lstStyle/>
+          <a:p>
+            <a:r>
+              <a:rPr lang="en-US" sz="2500" dirty="0"/>
+              <a:t>2021 -2025</a:t>
+            </a:r>
+          </a:p>
+        </p:txBody>
+      </p:sp>
+      <p:sp>
+        <p:nvSpPr>
+          <p:cNvPr id="7" name="TextBox 6">
+            <a:extLst>
+              <a:ext uri="{FF2B5EF4-FFF2-40B4-BE49-F238E27FC236}">
+                <a16:creationId xmlns:a16="http://schemas.microsoft.com/office/drawing/2014/main" id="{36FA1A10-98FD-D516-60AE-68AE71BB7E2A}"/>
+              </a:ext>
+            </a:extLst>
+          </p:cNvPr>
+          <p:cNvSpPr txBox="1"/>
+          <p:nvPr/>
+        </p:nvSpPr>
+        <p:spPr>
+          <a:xfrm>
+            <a:off x="3529411" y="1358781"/>
+            <a:ext cx="2195527" cy="923330"/>
+          </a:xfrm>
+          <a:prstGeom prst="rect">
+            <a:avLst/>
+          </a:prstGeom>
+          <a:solidFill>
+            <a:schemeClr val="accent1">
+              <a:lumMod val="60000"/>
+              <a:lumOff val="40000"/>
+            </a:schemeClr>
+          </a:solidFill>
+        </p:spPr>
+        <p:txBody>
+          <a:bodyPr wrap="square" rtlCol="0">
+            <a:spAutoFit/>
+          </a:bodyPr>
+          <a:lstStyle/>
+          <a:p>
+            <a:r>
+              <a:rPr lang="en-US" b="1" dirty="0"/>
+              <a:t>Total Nominations</a:t>
+            </a:r>
+          </a:p>
+          <a:p>
+            <a:r>
+              <a:rPr lang="en-US" b="1" dirty="0"/>
+              <a:t>24.5 stream miles</a:t>
+            </a:r>
+          </a:p>
+          <a:p>
+            <a:r>
+              <a:rPr lang="en-US" b="1" dirty="0"/>
+              <a:t>173 lake acres</a:t>
+            </a:r>
+          </a:p>
+        </p:txBody>
+      </p:sp>
+      <p:sp>
+        <p:nvSpPr>
+          <p:cNvPr id="8" name="Freeform: Shape 7">
+            <a:extLst>
+              <a:ext uri="{FF2B5EF4-FFF2-40B4-BE49-F238E27FC236}">
+                <a16:creationId xmlns:a16="http://schemas.microsoft.com/office/drawing/2014/main" id="{AE8550A3-0185-A439-3E18-9A7197BFAE40}"/>
+              </a:ext>
+            </a:extLst>
+          </p:cNvPr>
+          <p:cNvSpPr/>
+          <p:nvPr/>
+        </p:nvSpPr>
+        <p:spPr>
+          <a:xfrm>
+            <a:off x="9167854" y="2925027"/>
+            <a:ext cx="349857" cy="263539"/>
+          </a:xfrm>
+          <a:custGeom>
+            <a:avLst/>
+            <a:gdLst>
+              <a:gd name="connsiteX0" fmla="*/ 0 w 349857"/>
+              <a:gd name="connsiteY0" fmla="*/ 255495 h 263539"/>
+              <a:gd name="connsiteX1" fmla="*/ 127221 w 349857"/>
+              <a:gd name="connsiteY1" fmla="*/ 175982 h 263539"/>
+              <a:gd name="connsiteX2" fmla="*/ 214685 w 349857"/>
+              <a:gd name="connsiteY2" fmla="*/ 112371 h 263539"/>
+              <a:gd name="connsiteX3" fmla="*/ 333955 w 349857"/>
+              <a:gd name="connsiteY3" fmla="*/ 1053 h 263539"/>
+              <a:gd name="connsiteX4" fmla="*/ 349857 w 349857"/>
+              <a:gd name="connsiteY4" fmla="*/ 1053 h 263539"/>
+            </a:gdLst>
+            <a:ahLst/>
+            <a:cxnLst>
+              <a:cxn ang="0">
+                <a:pos x="connsiteX0" y="connsiteY0"/>
+              </a:cxn>
+              <a:cxn ang="0">
+                <a:pos x="connsiteX1" y="connsiteY1"/>
+              </a:cxn>
+              <a:cxn ang="0">
+                <a:pos x="connsiteX2" y="connsiteY2"/>
+              </a:cxn>
+              <a:cxn ang="0">
+                <a:pos x="connsiteX3" y="connsiteY3"/>
+              </a:cxn>
+              <a:cxn ang="0">
+                <a:pos x="connsiteX4" y="connsiteY4"/>
+              </a:cxn>
+            </a:cxnLst>
+            <a:rect l="l" t="t" r="r" b="b"/>
+            <a:pathLst>
+              <a:path w="349857" h="263539">
+                <a:moveTo>
+                  <a:pt x="0" y="255495"/>
+                </a:moveTo>
+                <a:cubicBezTo>
+                  <a:pt x="103289" y="270250"/>
+                  <a:pt x="23010" y="274982"/>
+                  <a:pt x="127221" y="175982"/>
+                </a:cubicBezTo>
+                <a:cubicBezTo>
+                  <a:pt x="153357" y="151153"/>
+                  <a:pt x="185530" y="133575"/>
+                  <a:pt x="214685" y="112371"/>
+                </a:cubicBezTo>
+                <a:cubicBezTo>
+                  <a:pt x="263400" y="34429"/>
+                  <a:pt x="242179" y="46942"/>
+                  <a:pt x="333955" y="1053"/>
+                </a:cubicBezTo>
+                <a:cubicBezTo>
+                  <a:pt x="338696" y="-1318"/>
+                  <a:pt x="344556" y="1053"/>
+                  <a:pt x="349857" y="1053"/>
+                </a:cubicBezTo>
+              </a:path>
+            </a:pathLst>
+          </a:custGeom>
+          <a:noFill/>
+          <a:ln w="34925">
+            <a:solidFill>
+              <a:srgbClr val="C00000"/>
+            </a:solidFill>
+          </a:ln>
+        </p:spPr>
+        <p:style>
+          <a:lnRef idx="2">
+            <a:schemeClr val="accent1">
+              <a:shade val="15000"/>
+            </a:schemeClr>
+          </a:lnRef>
+          <a:fillRef idx="1">
+            <a:schemeClr val="accent1"/>
+          </a:fillRef>
+          <a:effectRef idx="0">
+            <a:schemeClr val="accent1"/>
+          </a:effectRef>
+          <a:fontRef idx="minor">
+            <a:schemeClr val="lt1"/>
+          </a:fontRef>
+        </p:style>
+        <p:txBody>
+          <a:bodyPr rtlCol="0" anchor="ctr"/>
+          <a:lstStyle/>
+          <a:p>
+            <a:pPr algn="ctr"/>
+            <a:endParaRPr lang="en-US"/>
+          </a:p>
+        </p:txBody>
+      </p:sp>
+      <p:cxnSp>
+        <p:nvCxnSpPr>
+          <p:cNvPr id="10" name="Straight Connector 9">
+            <a:extLst>
+              <a:ext uri="{FF2B5EF4-FFF2-40B4-BE49-F238E27FC236}">
+                <a16:creationId xmlns:a16="http://schemas.microsoft.com/office/drawing/2014/main" id="{F8690D6E-5DF3-FF90-9782-383077AAC122}"/>
+              </a:ext>
+            </a:extLst>
+          </p:cNvPr>
+          <p:cNvCxnSpPr/>
+          <p:nvPr/>
+        </p:nvCxnSpPr>
+        <p:spPr>
+          <a:xfrm>
+            <a:off x="2162755" y="2337768"/>
+            <a:ext cx="604300" cy="0"/>
+          </a:xfrm>
+          <a:prstGeom prst="line">
+            <a:avLst/>
+          </a:prstGeom>
+          <a:ln w="38100">
+            <a:solidFill>
+              <a:srgbClr val="C00000"/>
+            </a:solidFill>
+          </a:ln>
+        </p:spPr>
+        <p:style>
+          <a:lnRef idx="1">
+            <a:schemeClr val="accent1"/>
+          </a:lnRef>
+          <a:fillRef idx="0">
+            <a:schemeClr val="accent1"/>
+          </a:fillRef>
+          <a:effectRef idx="0">
+            <a:schemeClr val="accent1"/>
+          </a:effectRef>
+          <a:fontRef idx="minor">
+            <a:schemeClr val="tx1"/>
+          </a:fontRef>
+        </p:style>
+      </p:cxnSp>
+      <p:sp>
+        <p:nvSpPr>
+          <p:cNvPr id="11" name="TextBox 10">
+            <a:extLst>
+              <a:ext uri="{FF2B5EF4-FFF2-40B4-BE49-F238E27FC236}">
+                <a16:creationId xmlns:a16="http://schemas.microsoft.com/office/drawing/2014/main" id="{981D47B4-0627-4AB4-8E7D-609D70415E36}"/>
+              </a:ext>
+            </a:extLst>
+          </p:cNvPr>
+          <p:cNvSpPr txBox="1"/>
+          <p:nvPr/>
+        </p:nvSpPr>
+        <p:spPr>
+          <a:xfrm>
+            <a:off x="2702477" y="2206963"/>
+            <a:ext cx="826935" cy="261610"/>
+          </a:xfrm>
+          <a:prstGeom prst="rect">
+            <a:avLst/>
+          </a:prstGeom>
+          <a:noFill/>
+        </p:spPr>
+        <p:txBody>
+          <a:bodyPr wrap="square" rtlCol="0">
+            <a:spAutoFit/>
+          </a:bodyPr>
+          <a:lstStyle/>
+          <a:p>
+            <a:r>
+              <a:rPr lang="en-US" sz="1100" b="1" dirty="0"/>
+              <a:t>2025</a:t>
+            </a:r>
+          </a:p>
+        </p:txBody>
+      </p:sp>
+    </p:spTree>
+    <p:extLst>
+      <p:ext uri="{BB962C8B-B14F-4D97-AF65-F5344CB8AC3E}">
+        <p14:creationId xmlns:p14="http://schemas.microsoft.com/office/powerpoint/2010/main" val="3167310113"/>
       </p:ext>
     </p:extLst>
   </p:cSld>
